--- a/Report #03/[오픈소스전문프로젝트 Report #03]장재원, 조창권, 윤정환, 이석범.pptx
+++ b/Report #03/[오픈소스전문프로젝트 Report #03]장재원, 조창권, 윤정환, 이석범.pptx
@@ -218,7 +218,7 @@
           <a:p>
             <a:fld id="{D13BA0E8-D64F-49B2-BAD8-4B393F6BE1AF}" type="datetimeFigureOut">
               <a:rPr lang="ko-KR" altLang="en-US" smtClean="0"/>
-              <a:t>2020-04-12</a:t>
+              <a:t>2020-04-22</a:t>
             </a:fld>
             <a:endParaRPr lang="ko-KR" altLang="en-US"/>
           </a:p>
@@ -821,6 +821,174 @@
 </p:notes>
 </file>
 
+<file path=ppt/notesSlides/notesSlide5.xml><?xml version="1.0" encoding="utf-8"?>
+<p:notes xmlns:a="http://schemas.openxmlformats.org/drawingml/2006/main" xmlns:r="http://schemas.openxmlformats.org/officeDocument/2006/relationships" xmlns:p="http://schemas.openxmlformats.org/presentationml/2006/main">
+  <p:cSld>
+    <p:spTree>
+      <p:nvGrpSpPr>
+        <p:cNvPr id="1" name=""/>
+        <p:cNvGrpSpPr/>
+        <p:nvPr/>
+      </p:nvGrpSpPr>
+      <p:grpSpPr>
+        <a:xfrm>
+          <a:off x="0" y="0"/>
+          <a:ext cx="0" cy="0"/>
+          <a:chOff x="0" y="0"/>
+          <a:chExt cx="0" cy="0"/>
+        </a:xfrm>
+      </p:grpSpPr>
+      <p:sp>
+        <p:nvSpPr>
+          <p:cNvPr id="2" name="슬라이드 이미지 개체 틀 1"/>
+          <p:cNvSpPr>
+            <a:spLocks noGrp="1" noRot="1" noChangeAspect="1"/>
+          </p:cNvSpPr>
+          <p:nvPr>
+            <p:ph type="sldImg"/>
+          </p:nvPr>
+        </p:nvSpPr>
+        <p:spPr/>
+      </p:sp>
+      <p:sp>
+        <p:nvSpPr>
+          <p:cNvPr id="3" name="슬라이드 노트 개체 틀 2"/>
+          <p:cNvSpPr>
+            <a:spLocks noGrp="1"/>
+          </p:cNvSpPr>
+          <p:nvPr>
+            <p:ph type="body" idx="1"/>
+          </p:nvPr>
+        </p:nvSpPr>
+        <p:spPr/>
+        <p:txBody>
+          <a:bodyPr/>
+          <a:lstStyle/>
+          <a:p>
+            <a:endParaRPr lang="ko-KR" altLang="en-US" dirty="0"/>
+          </a:p>
+        </p:txBody>
+      </p:sp>
+      <p:sp>
+        <p:nvSpPr>
+          <p:cNvPr id="4" name="슬라이드 번호 개체 틀 3"/>
+          <p:cNvSpPr>
+            <a:spLocks noGrp="1"/>
+          </p:cNvSpPr>
+          <p:nvPr>
+            <p:ph type="sldNum" sz="quarter" idx="5"/>
+          </p:nvPr>
+        </p:nvSpPr>
+        <p:spPr/>
+        <p:txBody>
+          <a:bodyPr/>
+          <a:lstStyle/>
+          <a:p>
+            <a:fld id="{37F69166-615D-441A-A437-11ABE627E6F7}" type="slidenum">
+              <a:rPr lang="ko-KR" altLang="en-US" smtClean="0"/>
+              <a:t>7</a:t>
+            </a:fld>
+            <a:endParaRPr lang="ko-KR" altLang="en-US"/>
+          </a:p>
+        </p:txBody>
+      </p:sp>
+    </p:spTree>
+    <p:extLst>
+      <p:ext uri="{BB962C8B-B14F-4D97-AF65-F5344CB8AC3E}">
+        <p14:creationId xmlns:p14="http://schemas.microsoft.com/office/powerpoint/2010/main" val="1249503107"/>
+      </p:ext>
+    </p:extLst>
+  </p:cSld>
+  <p:clrMapOvr>
+    <a:masterClrMapping/>
+  </p:clrMapOvr>
+</p:notes>
+</file>
+
+<file path=ppt/notesSlides/notesSlide6.xml><?xml version="1.0" encoding="utf-8"?>
+<p:notes xmlns:a="http://schemas.openxmlformats.org/drawingml/2006/main" xmlns:r="http://schemas.openxmlformats.org/officeDocument/2006/relationships" xmlns:p="http://schemas.openxmlformats.org/presentationml/2006/main">
+  <p:cSld>
+    <p:spTree>
+      <p:nvGrpSpPr>
+        <p:cNvPr id="1" name=""/>
+        <p:cNvGrpSpPr/>
+        <p:nvPr/>
+      </p:nvGrpSpPr>
+      <p:grpSpPr>
+        <a:xfrm>
+          <a:off x="0" y="0"/>
+          <a:ext cx="0" cy="0"/>
+          <a:chOff x="0" y="0"/>
+          <a:chExt cx="0" cy="0"/>
+        </a:xfrm>
+      </p:grpSpPr>
+      <p:sp>
+        <p:nvSpPr>
+          <p:cNvPr id="2" name="슬라이드 이미지 개체 틀 1"/>
+          <p:cNvSpPr>
+            <a:spLocks noGrp="1" noRot="1" noChangeAspect="1"/>
+          </p:cNvSpPr>
+          <p:nvPr>
+            <p:ph type="sldImg"/>
+          </p:nvPr>
+        </p:nvSpPr>
+        <p:spPr/>
+      </p:sp>
+      <p:sp>
+        <p:nvSpPr>
+          <p:cNvPr id="3" name="슬라이드 노트 개체 틀 2"/>
+          <p:cNvSpPr>
+            <a:spLocks noGrp="1"/>
+          </p:cNvSpPr>
+          <p:nvPr>
+            <p:ph type="body" idx="1"/>
+          </p:nvPr>
+        </p:nvSpPr>
+        <p:spPr/>
+        <p:txBody>
+          <a:bodyPr/>
+          <a:lstStyle/>
+          <a:p>
+            <a:endParaRPr lang="ko-KR" altLang="en-US" dirty="0"/>
+          </a:p>
+        </p:txBody>
+      </p:sp>
+      <p:sp>
+        <p:nvSpPr>
+          <p:cNvPr id="4" name="슬라이드 번호 개체 틀 3"/>
+          <p:cNvSpPr>
+            <a:spLocks noGrp="1"/>
+          </p:cNvSpPr>
+          <p:nvPr>
+            <p:ph type="sldNum" sz="quarter" idx="5"/>
+          </p:nvPr>
+        </p:nvSpPr>
+        <p:spPr/>
+        <p:txBody>
+          <a:bodyPr/>
+          <a:lstStyle/>
+          <a:p>
+            <a:fld id="{37F69166-615D-441A-A437-11ABE627E6F7}" type="slidenum">
+              <a:rPr lang="ko-KR" altLang="en-US" smtClean="0"/>
+              <a:t>8</a:t>
+            </a:fld>
+            <a:endParaRPr lang="ko-KR" altLang="en-US"/>
+          </a:p>
+        </p:txBody>
+      </p:sp>
+    </p:spTree>
+    <p:extLst>
+      <p:ext uri="{BB962C8B-B14F-4D97-AF65-F5344CB8AC3E}">
+        <p14:creationId xmlns:p14="http://schemas.microsoft.com/office/powerpoint/2010/main" val="3367045614"/>
+      </p:ext>
+    </p:extLst>
+  </p:cSld>
+  <p:clrMapOvr>
+    <a:masterClrMapping/>
+  </p:clrMapOvr>
+</p:notes>
+</file>
+
 <file path=ppt/slideLayouts/slideLayout1.xml><?xml version="1.0" encoding="utf-8"?>
 <p:sldLayout xmlns:a="http://schemas.openxmlformats.org/drawingml/2006/main" xmlns:r="http://schemas.openxmlformats.org/officeDocument/2006/relationships" xmlns:p="http://schemas.openxmlformats.org/presentationml/2006/main" type="title" preserve="1">
   <p:cSld name="제목 슬라이드">
@@ -956,7 +1124,7 @@
                   </a:prstClr>
                 </a:solidFill>
               </a:rPr>
-              <a:t>2020-04-12</a:t>
+              <a:t>2020-04-22</a:t>
             </a:fld>
             <a:endParaRPr lang="ko-KR" altLang="en-US">
               <a:solidFill>
@@ -1155,7 +1323,7 @@
                   </a:prstClr>
                 </a:solidFill>
               </a:rPr>
-              <a:t>2020-04-12</a:t>
+              <a:t>2020-04-22</a:t>
             </a:fld>
             <a:endParaRPr lang="ko-KR" altLang="en-US">
               <a:solidFill>
@@ -1364,7 +1532,7 @@
                   </a:prstClr>
                 </a:solidFill>
               </a:rPr>
-              <a:t>2020-04-12</a:t>
+              <a:t>2020-04-22</a:t>
             </a:fld>
             <a:endParaRPr lang="ko-KR" altLang="en-US">
               <a:solidFill>
@@ -1563,7 +1731,7 @@
                   </a:prstClr>
                 </a:solidFill>
               </a:rPr>
-              <a:t>2020-04-12</a:t>
+              <a:t>2020-04-22</a:t>
             </a:fld>
             <a:endParaRPr lang="ko-KR" altLang="en-US">
               <a:solidFill>
@@ -1839,7 +2007,7 @@
                   </a:prstClr>
                 </a:solidFill>
               </a:rPr>
-              <a:t>2020-04-12</a:t>
+              <a:t>2020-04-22</a:t>
             </a:fld>
             <a:endParaRPr lang="ko-KR" altLang="en-US">
               <a:solidFill>
@@ -2099,7 +2267,7 @@
                   </a:prstClr>
                 </a:solidFill>
               </a:rPr>
-              <a:t>2020-04-12</a:t>
+              <a:t>2020-04-22</a:t>
             </a:fld>
             <a:endParaRPr lang="ko-KR" altLang="en-US">
               <a:solidFill>
@@ -2494,7 +2662,7 @@
                   </a:prstClr>
                 </a:solidFill>
               </a:rPr>
-              <a:t>2020-04-12</a:t>
+              <a:t>2020-04-22</a:t>
             </a:fld>
             <a:endParaRPr lang="ko-KR" altLang="en-US">
               <a:solidFill>
@@ -2642,7 +2810,7 @@
                   </a:prstClr>
                 </a:solidFill>
               </a:rPr>
-              <a:t>2020-04-12</a:t>
+              <a:t>2020-04-22</a:t>
             </a:fld>
             <a:endParaRPr lang="ko-KR" altLang="en-US">
               <a:solidFill>
@@ -2768,7 +2936,7 @@
                   </a:prstClr>
                 </a:solidFill>
               </a:rPr>
-              <a:t>2020-04-12</a:t>
+              <a:t>2020-04-22</a:t>
             </a:fld>
             <a:endParaRPr lang="ko-KR" altLang="en-US">
               <a:solidFill>
@@ -3074,7 +3242,7 @@
                   </a:prstClr>
                 </a:solidFill>
               </a:rPr>
-              <a:t>2020-04-12</a:t>
+              <a:t>2020-04-22</a:t>
             </a:fld>
             <a:endParaRPr lang="ko-KR" altLang="en-US">
               <a:solidFill>
@@ -3357,7 +3525,7 @@
                   </a:prstClr>
                 </a:solidFill>
               </a:rPr>
-              <a:t>2020-04-12</a:t>
+              <a:t>2020-04-22</a:t>
             </a:fld>
             <a:endParaRPr lang="ko-KR" altLang="en-US">
               <a:solidFill>
@@ -3599,7 +3767,7 @@
                   </a:prstClr>
                 </a:solidFill>
               </a:rPr>
-              <a:t>2020-04-12</a:t>
+              <a:t>2020-04-22</a:t>
             </a:fld>
             <a:endParaRPr lang="ko-KR" altLang="en-US">
               <a:solidFill>
@@ -32658,29 +32826,7 @@
                   </a:prstClr>
                 </a:solidFill>
               </a:rPr>
-              <a:t>을 통해 </a:t>
-            </a:r>
-            <a:r>
-              <a:rPr lang="ko-KR" altLang="en-US" kern="0" dirty="0" err="1">
-                <a:solidFill>
-                  <a:prstClr val="black">
-                    <a:lumMod val="65000"/>
-                    <a:lumOff val="35000"/>
-                  </a:prstClr>
-                </a:solidFill>
-              </a:rPr>
-              <a:t>분별기</a:t>
-            </a:r>
-            <a:r>
-              <a:rPr lang="ko-KR" altLang="en-US" kern="0" dirty="0">
-                <a:solidFill>
-                  <a:prstClr val="black">
-                    <a:lumMod val="65000"/>
-                    <a:lumOff val="35000"/>
-                  </a:prstClr>
-                </a:solidFill>
-              </a:rPr>
-              <a:t> 모델을 학습시킨다</a:t>
+              <a:t>을 통해 분류기 모델을 학습시킨다</a:t>
             </a:r>
             <a:r>
               <a:rPr lang="en-US" altLang="ko-KR" kern="0" dirty="0">
@@ -37756,7 +37902,7 @@
         </p:nvSpPr>
         <p:spPr>
           <a:xfrm rot="5400000">
-            <a:off x="3271463" y="-2062957"/>
+            <a:off x="3272657" y="-2043488"/>
             <a:ext cx="6192000" cy="11001376"/>
           </a:xfrm>
           <a:prstGeom prst="round2SameRect">
@@ -37768,8 +37914,10 @@
           <a:solidFill>
             <a:schemeClr val="bg1"/>
           </a:solidFill>
-          <a:ln w="63500">
-            <a:noFill/>
+          <a:ln w="57150">
+            <a:solidFill>
+              <a:schemeClr val="tx1"/>
+            </a:solidFill>
           </a:ln>
         </p:spPr>
         <p:style>
@@ -41003,7 +41151,7 @@
             <p:nvPr/>
           </p:nvPicPr>
           <p:blipFill>
-            <a:blip r:embed="rId2" cstate="print">
+            <a:blip r:embed="rId3" cstate="print">
               <a:extLst>
                 <a:ext uri="{28A0092B-C50C-407E-A947-70E740481C1C}">
                   <a14:useLocalDpi xmlns:a14="http://schemas.microsoft.com/office/drawing/2010/main" val="0"/>
@@ -42006,10 +42154,10 @@
         </p:nvGrpSpPr>
         <p:grpSpPr>
           <a:xfrm>
-            <a:off x="3348149" y="1507525"/>
-            <a:ext cx="5654507" cy="4875921"/>
-            <a:chOff x="2850265" y="1827568"/>
-            <a:chExt cx="6076192" cy="4832952"/>
+            <a:off x="1043357" y="1795245"/>
+            <a:ext cx="10505920" cy="4704469"/>
+            <a:chOff x="373593" y="2112752"/>
+            <a:chExt cx="11289400" cy="4663010"/>
           </a:xfrm>
         </p:grpSpPr>
         <p:sp>
@@ -42026,7 +42174,7 @@
           </p:nvSpPr>
           <p:spPr>
             <a:xfrm>
-              <a:off x="2850265" y="6019885"/>
+              <a:off x="373593" y="6135127"/>
               <a:ext cx="5727180" cy="640635"/>
             </a:xfrm>
             <a:prstGeom prst="rect">
@@ -42061,7 +42209,7 @@
               </a:r>
               <a:r>
                 <a:rPr lang="ko-KR" altLang="en-US" b="1" dirty="0"/>
-                <a:t>조도 센서로 데이터 수집</a:t>
+                <a:t>조도 센서로 정보 수집</a:t>
               </a:r>
               <a:endParaRPr lang="en-US" altLang="ko-KR" b="1" dirty="0"/>
             </a:p>
@@ -42084,7 +42232,7 @@
           </p:nvSpPr>
           <p:spPr>
             <a:xfrm>
-              <a:off x="2850265" y="3312236"/>
+              <a:off x="1146010" y="2393142"/>
               <a:ext cx="3241765" cy="646331"/>
             </a:xfrm>
             <a:prstGeom prst="rect">
@@ -42104,7 +42252,7 @@
               </a:r>
               <a:r>
                 <a:rPr lang="ko-KR" altLang="en-US" b="1" dirty="0"/>
-                <a:t>사용자의 상태 확인</a:t>
+                <a:t>센서 정보를 전송</a:t>
               </a:r>
               <a:endParaRPr lang="en-US" altLang="ko-KR" b="1" dirty="0"/>
             </a:p>
@@ -42127,7 +42275,7 @@
           </p:nvSpPr>
           <p:spPr>
             <a:xfrm>
-              <a:off x="5684692" y="1827568"/>
+              <a:off x="8421228" y="6135127"/>
               <a:ext cx="3241765" cy="369332"/>
             </a:xfrm>
             <a:prstGeom prst="rect">
@@ -42143,7 +42291,7 @@
             <a:p>
               <a:r>
                 <a:rPr lang="en-US" altLang="ko-KR" b="1" dirty="0"/>
-                <a:t>3. </a:t>
+                <a:t>5. </a:t>
               </a:r>
               <a:r>
                 <a:rPr lang="ko-KR" altLang="en-US" b="1" dirty="0"/>
@@ -42167,13 +42315,13 @@
             <p:nvPr/>
           </p:nvPicPr>
           <p:blipFill>
-            <a:blip r:embed="rId3">
+            <a:blip r:embed="rId4">
               <a:extLst>
                 <a:ext uri="{28A0092B-C50C-407E-A947-70E740481C1C}">
                   <a14:useLocalDpi xmlns:a14="http://schemas.microsoft.com/office/drawing/2010/main" val="0"/>
                 </a:ext>
                 <a:ext uri="{96DAC541-7B7A-43D3-8B79-37D633B846F1}">
-                  <asvg:svgBlip xmlns:asvg="http://schemas.microsoft.com/office/drawing/2016/SVG/main" r:embed="rId4"/>
+                  <asvg:svgBlip xmlns:asvg="http://schemas.microsoft.com/office/drawing/2016/SVG/main" r:embed="rId5"/>
                 </a:ext>
               </a:extLst>
             </a:blip>
@@ -42183,7 +42331,7 @@
           </p:blipFill>
           <p:spPr>
             <a:xfrm>
-              <a:off x="5684692" y="2750897"/>
+              <a:off x="7928461" y="2807742"/>
               <a:ext cx="3241765" cy="3241765"/>
             </a:xfrm>
             <a:prstGeom prst="rect">
@@ -42206,13 +42354,13 @@
             <p:nvPr/>
           </p:nvPicPr>
           <p:blipFill>
-            <a:blip r:embed="rId5">
+            <a:blip r:embed="rId6">
               <a:extLst>
                 <a:ext uri="{28A0092B-C50C-407E-A947-70E740481C1C}">
                   <a14:useLocalDpi xmlns:a14="http://schemas.microsoft.com/office/drawing/2010/main" val="0"/>
                 </a:ext>
                 <a:ext uri="{96DAC541-7B7A-43D3-8B79-37D633B846F1}">
-                  <asvg:svgBlip xmlns:asvg="http://schemas.microsoft.com/office/drawing/2016/SVG/main" r:embed="rId6"/>
+                  <asvg:svgBlip xmlns:asvg="http://schemas.microsoft.com/office/drawing/2016/SVG/main" r:embed="rId7"/>
                 </a:ext>
               </a:extLst>
             </a:blip>
@@ -42222,7 +42370,7 @@
           </p:blipFill>
           <p:spPr>
             <a:xfrm>
-              <a:off x="5531948" y="2196900"/>
+              <a:off x="7993259" y="2112752"/>
               <a:ext cx="914400" cy="914400"/>
             </a:xfrm>
             <a:prstGeom prst="rect">
@@ -42246,7 +42394,7 @@
           <p:nvPr/>
         </p:nvPicPr>
         <p:blipFill rotWithShape="1">
-          <a:blip r:embed="rId7">
+          <a:blip r:embed="rId8">
             <a:extLst>
               <a:ext uri="{28A0092B-C50C-407E-A947-70E740481C1C}">
                 <a14:useLocalDpi xmlns:a14="http://schemas.microsoft.com/office/drawing/2010/main" val="0"/>
@@ -42258,7 +42406,7 @@
         </p:blipFill>
         <p:spPr>
           <a:xfrm>
-            <a:off x="3764827" y="3591684"/>
+            <a:off x="1743440" y="3575291"/>
             <a:ext cx="2272488" cy="2153032"/>
           </a:xfrm>
           <a:prstGeom prst="rect">
@@ -42374,6 +42522,208 @@
                 <a:prstClr val="white"/>
               </a:solidFill>
             </a:endParaRPr>
+          </a:p>
+        </p:txBody>
+      </p:sp>
+      <p:pic>
+        <p:nvPicPr>
+          <p:cNvPr id="4" name="그래픽 3" descr="서버">
+            <a:extLst>
+              <a:ext uri="{FF2B5EF4-FFF2-40B4-BE49-F238E27FC236}">
+                <a16:creationId xmlns:a16="http://schemas.microsoft.com/office/drawing/2014/main" id="{D949D7E4-33CC-43BC-8565-528B45D40204}"/>
+              </a:ext>
+            </a:extLst>
+          </p:cNvPr>
+          <p:cNvPicPr>
+            <a:picLocks noChangeAspect="1"/>
+          </p:cNvPicPr>
+          <p:nvPr/>
+        </p:nvPicPr>
+        <p:blipFill>
+          <a:blip r:embed="rId9">
+            <a:extLst>
+              <a:ext uri="{28A0092B-C50C-407E-A947-70E740481C1C}">
+                <a14:useLocalDpi xmlns:a14="http://schemas.microsoft.com/office/drawing/2010/main" val="0"/>
+              </a:ext>
+              <a:ext uri="{96DAC541-7B7A-43D3-8B79-37D633B846F1}">
+                <asvg:svgBlip xmlns:asvg="http://schemas.microsoft.com/office/drawing/2016/SVG/main" r:embed="rId10"/>
+              </a:ext>
+            </a:extLst>
+          </a:blip>
+          <a:stretch>
+            <a:fillRect/>
+          </a:stretch>
+        </p:blipFill>
+        <p:spPr>
+          <a:xfrm>
+            <a:off x="5046610" y="1132689"/>
+            <a:ext cx="914400" cy="914400"/>
+          </a:xfrm>
+          <a:prstGeom prst="rect">
+            <a:avLst/>
+          </a:prstGeom>
+        </p:spPr>
+      </p:pic>
+      <p:cxnSp>
+        <p:nvCxnSpPr>
+          <p:cNvPr id="7" name="직선 화살표 연결선 6">
+            <a:extLst>
+              <a:ext uri="{FF2B5EF4-FFF2-40B4-BE49-F238E27FC236}">
+                <a16:creationId xmlns:a16="http://schemas.microsoft.com/office/drawing/2014/main" id="{A1369C5D-1F6C-424E-99A7-13893F6B8489}"/>
+              </a:ext>
+            </a:extLst>
+          </p:cNvPr>
+          <p:cNvCxnSpPr>
+            <a:cxnSpLocks/>
+          </p:cNvCxnSpPr>
+          <p:nvPr/>
+        </p:nvCxnSpPr>
+        <p:spPr>
+          <a:xfrm flipV="1">
+            <a:off x="3336721" y="2115059"/>
+            <a:ext cx="1454200" cy="1519764"/>
+          </a:xfrm>
+          <a:prstGeom prst="straightConnector1">
+            <a:avLst/>
+          </a:prstGeom>
+          <a:ln w="57150">
+            <a:tailEnd type="triangle"/>
+          </a:ln>
+        </p:spPr>
+        <p:style>
+          <a:lnRef idx="1">
+            <a:schemeClr val="dk1"/>
+          </a:lnRef>
+          <a:fillRef idx="0">
+            <a:schemeClr val="dk1"/>
+          </a:fillRef>
+          <a:effectRef idx="0">
+            <a:schemeClr val="dk1"/>
+          </a:effectRef>
+          <a:fontRef idx="minor">
+            <a:schemeClr val="tx1"/>
+          </a:fontRef>
+        </p:style>
+      </p:cxnSp>
+      <p:cxnSp>
+        <p:nvCxnSpPr>
+          <p:cNvPr id="12" name="직선 화살표 연결선 11">
+            <a:extLst>
+              <a:ext uri="{FF2B5EF4-FFF2-40B4-BE49-F238E27FC236}">
+                <a16:creationId xmlns:a16="http://schemas.microsoft.com/office/drawing/2014/main" id="{3D5EC28A-D86A-4A52-BDF3-D8678AD0C83E}"/>
+              </a:ext>
+            </a:extLst>
+          </p:cNvPr>
+          <p:cNvCxnSpPr>
+            <a:cxnSpLocks/>
+          </p:cNvCxnSpPr>
+          <p:nvPr/>
+        </p:nvCxnSpPr>
+        <p:spPr>
+          <a:xfrm>
+            <a:off x="6111743" y="2138985"/>
+            <a:ext cx="2248486" cy="1532999"/>
+          </a:xfrm>
+          <a:prstGeom prst="straightConnector1">
+            <a:avLst/>
+          </a:prstGeom>
+          <a:ln w="57150">
+            <a:solidFill>
+              <a:schemeClr val="tx1"/>
+            </a:solidFill>
+            <a:tailEnd type="triangle"/>
+          </a:ln>
+        </p:spPr>
+        <p:style>
+          <a:lnRef idx="1">
+            <a:schemeClr val="dk1"/>
+          </a:lnRef>
+          <a:fillRef idx="0">
+            <a:schemeClr val="dk1"/>
+          </a:fillRef>
+          <a:effectRef idx="0">
+            <a:schemeClr val="dk1"/>
+          </a:effectRef>
+          <a:fontRef idx="minor">
+            <a:schemeClr val="tx1"/>
+          </a:fontRef>
+        </p:style>
+      </p:cxnSp>
+      <p:sp>
+        <p:nvSpPr>
+          <p:cNvPr id="39" name="TextBox 38">
+            <a:extLst>
+              <a:ext uri="{FF2B5EF4-FFF2-40B4-BE49-F238E27FC236}">
+                <a16:creationId xmlns:a16="http://schemas.microsoft.com/office/drawing/2014/main" id="{FA23D7EA-1C6C-4435-885A-00A9E7B61400}"/>
+              </a:ext>
+            </a:extLst>
+          </p:cNvPr>
+          <p:cNvSpPr txBox="1"/>
+          <p:nvPr/>
+        </p:nvSpPr>
+        <p:spPr>
+          <a:xfrm>
+            <a:off x="4321700" y="2686407"/>
+            <a:ext cx="3016788" cy="369332"/>
+          </a:xfrm>
+          <a:prstGeom prst="rect">
+            <a:avLst/>
+          </a:prstGeom>
+          <a:noFill/>
+        </p:spPr>
+        <p:txBody>
+          <a:bodyPr wrap="square" rtlCol="0">
+            <a:spAutoFit/>
+          </a:bodyPr>
+          <a:lstStyle/>
+          <a:p>
+            <a:r>
+              <a:rPr lang="en-US" altLang="ko-KR" b="1" dirty="0"/>
+              <a:t>3. </a:t>
+            </a:r>
+            <a:r>
+              <a:rPr lang="ko-KR" altLang="en-US" b="1" dirty="0"/>
+              <a:t>사용자의 상태 확인</a:t>
+            </a:r>
+          </a:p>
+        </p:txBody>
+      </p:sp>
+      <p:sp>
+        <p:nvSpPr>
+          <p:cNvPr id="41" name="TextBox 40">
+            <a:extLst>
+              <a:ext uri="{FF2B5EF4-FFF2-40B4-BE49-F238E27FC236}">
+                <a16:creationId xmlns:a16="http://schemas.microsoft.com/office/drawing/2014/main" id="{4D7274FE-A5A2-4A05-B343-C7A28836E4C6}"/>
+              </a:ext>
+            </a:extLst>
+          </p:cNvPr>
+          <p:cNvSpPr txBox="1"/>
+          <p:nvPr/>
+        </p:nvSpPr>
+        <p:spPr>
+          <a:xfrm>
+            <a:off x="5751279" y="3411133"/>
+            <a:ext cx="3016788" cy="372616"/>
+          </a:xfrm>
+          <a:prstGeom prst="rect">
+            <a:avLst/>
+          </a:prstGeom>
+          <a:noFill/>
+        </p:spPr>
+        <p:txBody>
+          <a:bodyPr wrap="square" rtlCol="0">
+            <a:spAutoFit/>
+          </a:bodyPr>
+          <a:lstStyle/>
+          <a:p>
+            <a:r>
+              <a:rPr lang="en-US" altLang="ko-KR" b="1" dirty="0"/>
+              <a:t>4. </a:t>
+            </a:r>
+            <a:r>
+              <a:rPr lang="ko-KR" altLang="en-US" b="1" dirty="0"/>
+              <a:t>문제점 정보 전송</a:t>
+            </a:r>
           </a:p>
         </p:txBody>
       </p:sp>
@@ -45785,7 +46135,7 @@
             <p:nvPr/>
           </p:nvPicPr>
           <p:blipFill>
-            <a:blip r:embed="rId2" cstate="print">
+            <a:blip r:embed="rId3" cstate="print">
               <a:extLst>
                 <a:ext uri="{28A0092B-C50C-407E-A947-70E740481C1C}">
                   <a14:useLocalDpi xmlns:a14="http://schemas.microsoft.com/office/drawing/2010/main" val="0"/>
@@ -46938,7 +47288,7 @@
                   </a:prstClr>
                 </a:solidFill>
               </a:rPr>
-              <a:t>어플을 실행하면 백그라운드에서  실시간으로 센서의 데이터를 받아온다</a:t>
+              <a:t>어플을 실행하면 백그라운드에서  실시간으로 센서의 정보를 받아온다</a:t>
             </a:r>
             <a:r>
               <a:rPr lang="en-US" altLang="ko-KR" kern="0" dirty="0">
@@ -46951,22 +47301,6 @@
               </a:rPr>
               <a:t>.</a:t>
             </a:r>
-          </a:p>
-          <a:p>
-            <a:pPr latinLnBrk="0">
-              <a:lnSpc>
-                <a:spcPct val="150000"/>
-              </a:lnSpc>
-              <a:defRPr/>
-            </a:pPr>
-            <a:endParaRPr lang="en-US" altLang="ko-KR" kern="0" dirty="0">
-              <a:solidFill>
-                <a:prstClr val="black">
-                  <a:lumMod val="65000"/>
-                  <a:lumOff val="35000"/>
-                </a:prstClr>
-              </a:solidFill>
-            </a:endParaRPr>
           </a:p>
           <a:p>
             <a:pPr latinLnBrk="0">
@@ -46995,7 +47329,48 @@
                   </a:prstClr>
                 </a:solidFill>
               </a:rPr>
-              <a:t>번에서 얻은 데이터를 통해 사용자의 상태를 확인한다</a:t>
+              <a:t>번에서 얻은 정보를 서버에 전송한다</a:t>
+            </a:r>
+            <a:r>
+              <a:rPr lang="en-US" altLang="ko-KR" kern="0" dirty="0">
+                <a:solidFill>
+                  <a:prstClr val="black">
+                    <a:lumMod val="65000"/>
+                    <a:lumOff val="35000"/>
+                  </a:prstClr>
+                </a:solidFill>
+              </a:rPr>
+              <a:t>.</a:t>
+            </a:r>
+          </a:p>
+          <a:p>
+            <a:pPr latinLnBrk="0">
+              <a:lnSpc>
+                <a:spcPct val="150000"/>
+              </a:lnSpc>
+              <a:defRPr/>
+            </a:pPr>
+            <a:r>
+              <a:rPr lang="en-US" altLang="ko-KR" kern="0" dirty="0">
+                <a:solidFill>
+                  <a:prstClr val="black">
+                    <a:lumMod val="65000"/>
+                    <a:lumOff val="35000"/>
+                  </a:prstClr>
+                </a:solidFill>
+              </a:rPr>
+              <a:t>3.  </a:t>
+            </a:r>
+            <a:r>
+              <a:rPr lang="ko-KR" altLang="en-US" kern="0" dirty="0">
+                <a:solidFill>
+                  <a:prstClr val="black">
+                    <a:lumMod val="65000"/>
+                    <a:lumOff val="35000"/>
+                  </a:prstClr>
+                </a:solidFill>
+              </a:rPr>
+              <a:t>서버 상에서 받은 정보를 이용해 사용자의 상태를 확인한다</a:t>
             </a:r>
             <a:r>
               <a:rPr lang="en-US" altLang="ko-KR" kern="0" dirty="0">
@@ -47036,7 +47411,7 @@
                   </a:prstClr>
                 </a:solidFill>
               </a:rPr>
-              <a:t>카메라 센서</a:t>
+              <a:t>카메라 센서 정보</a:t>
             </a:r>
             <a:r>
               <a:rPr lang="en-US" altLang="ko-KR" sz="1400" kern="0" spc="300" dirty="0">
@@ -47058,7 +47433,7 @@
                   </a:prstClr>
                 </a:solidFill>
               </a:rPr>
-              <a:t>실시간으로 눈 부위의 사진 데이터를 분별기를 통해 눈의 깜빡임 정도를 측정한다</a:t>
+              <a:t>실시간으로 눈 부위의 사진 데이터를 분류기를 통해 눈의 깜빡임 정도를 측정한다</a:t>
             </a:r>
             <a:r>
               <a:rPr lang="en-US" altLang="ko-KR" sz="1400" kern="0" spc="300" dirty="0">
@@ -47121,7 +47496,7 @@
                   </a:prstClr>
                 </a:solidFill>
               </a:rPr>
-              <a:t>조도 센서</a:t>
+              <a:t>조도 센서 정보</a:t>
             </a:r>
             <a:r>
               <a:rPr lang="en-US" altLang="ko-KR" sz="1400" kern="0" spc="300" dirty="0">
@@ -47143,7 +47518,7 @@
                   </a:prstClr>
                 </a:solidFill>
               </a:rPr>
-              <a:t>센서의 데이터를 이용해 주변의 어두운 정도를 측정한다</a:t>
+              <a:t>주변의 어두운 정도를 측정한다</a:t>
             </a:r>
             <a:r>
               <a:rPr lang="en-US" altLang="ko-KR" sz="1400" kern="0" spc="300" dirty="0">
@@ -47184,7 +47559,7 @@
                   </a:prstClr>
                 </a:solidFill>
               </a:rPr>
-              <a:t>자이로스코프 센서</a:t>
+              <a:t>자이로스코프 센서 정보</a:t>
             </a:r>
             <a:r>
               <a:rPr lang="en-US" altLang="ko-KR" sz="1400" kern="0" spc="300" dirty="0">
@@ -47206,7 +47581,7 @@
                   </a:prstClr>
                 </a:solidFill>
               </a:rPr>
-              <a:t>센서의 데이터를 통해 디바이스의 기울어진 정도를 측정하여 목과 허리의 굽어진 정도를 알아낸다</a:t>
+              <a:t>디바이스의 기울어진 정도를 측정하여 목과 허리의 굽어진 정도를 알아낸다</a:t>
             </a:r>
             <a:r>
               <a:rPr lang="en-US" altLang="ko-KR" sz="1400" kern="0" spc="300" dirty="0">
@@ -47235,22 +47610,6 @@
               </a:lnSpc>
               <a:defRPr/>
             </a:pPr>
-            <a:endParaRPr lang="en-US" altLang="ko-KR" kern="0" dirty="0">
-              <a:solidFill>
-                <a:prstClr val="black">
-                  <a:lumMod val="65000"/>
-                  <a:lumOff val="35000"/>
-                </a:prstClr>
-              </a:solidFill>
-            </a:endParaRPr>
-          </a:p>
-          <a:p>
-            <a:pPr latinLnBrk="0">
-              <a:lnSpc>
-                <a:spcPct val="150000"/>
-              </a:lnSpc>
-              <a:defRPr/>
-            </a:pPr>
             <a:r>
               <a:rPr lang="en-US" altLang="ko-KR" kern="0" dirty="0">
                 <a:solidFill>
@@ -47260,7 +47619,7 @@
                   </a:prstClr>
                 </a:solidFill>
               </a:rPr>
-              <a:t>3.  2</a:t>
+              <a:t>4.  </a:t>
             </a:r>
             <a:r>
               <a:rPr lang="ko-KR" altLang="en-US" kern="0" dirty="0">
@@ -47271,7 +47630,38 @@
                   </a:prstClr>
                 </a:solidFill>
               </a:rPr>
-              <a:t>번에서 얻은 사용자의 상태에서 문제점이 있는 부분을 알림 메시지로 출력한다</a:t>
+              <a:t>사용자의 상태에서 문제점을 디바이스에 전송한다</a:t>
+            </a:r>
+            <a:r>
+              <a:rPr lang="en-US" altLang="ko-KR" kern="0" dirty="0">
+                <a:solidFill>
+                  <a:prstClr val="black">
+                    <a:lumMod val="65000"/>
+                    <a:lumOff val="35000"/>
+                  </a:prstClr>
+                </a:solidFill>
+              </a:rPr>
+              <a:t>.</a:t>
+            </a:r>
+          </a:p>
+          <a:p>
+            <a:pPr marL="342900" indent="-342900" latinLnBrk="0">
+              <a:lnSpc>
+                <a:spcPct val="150000"/>
+              </a:lnSpc>
+              <a:buAutoNum type="arabicPeriod" startAt="5"/>
+              <a:defRPr/>
+            </a:pPr>
+            <a:r>
+              <a:rPr lang="ko-KR" altLang="en-US" kern="0" dirty="0">
+                <a:solidFill>
+                  <a:prstClr val="black">
+                    <a:lumMod val="65000"/>
+                    <a:lumOff val="35000"/>
+                  </a:prstClr>
+                </a:solidFill>
+              </a:rPr>
+              <a:t>서버에서 온 문제점을 알림 메시지로 출력한다</a:t>
             </a:r>
             <a:r>
               <a:rPr lang="en-US" altLang="ko-KR" kern="0" dirty="0">
